--- a/SpringBoard-DSC_Capstone_Project_2/Mental_Health_Capstone_Project_Report.pptx
+++ b/SpringBoard-DSC_Capstone_Project_2/Mental_Health_Capstone_Project_Report.pptx
@@ -74,9 +74,9 @@
         </a:solidFill>
         <a:effectLst/>
         <a:uFillTx/>
-        <a:latin typeface="+mn-lt"/>
-        <a:ea typeface="+mn-ea"/>
-        <a:cs typeface="+mn-cs"/>
+        <a:latin typeface="+mj-lt"/>
+        <a:ea typeface="+mj-ea"/>
+        <a:cs typeface="+mj-cs"/>
         <a:sym typeface="Helvetica"/>
       </a:defRPr>
     </a:lvl1pPr>
@@ -104,9 +104,9 @@
         </a:solidFill>
         <a:effectLst/>
         <a:uFillTx/>
-        <a:latin typeface="+mn-lt"/>
-        <a:ea typeface="+mn-ea"/>
-        <a:cs typeface="+mn-cs"/>
+        <a:latin typeface="+mj-lt"/>
+        <a:ea typeface="+mj-ea"/>
+        <a:cs typeface="+mj-cs"/>
         <a:sym typeface="Helvetica"/>
       </a:defRPr>
     </a:lvl2pPr>
@@ -134,9 +134,9 @@
         </a:solidFill>
         <a:effectLst/>
         <a:uFillTx/>
-        <a:latin typeface="+mn-lt"/>
-        <a:ea typeface="+mn-ea"/>
-        <a:cs typeface="+mn-cs"/>
+        <a:latin typeface="+mj-lt"/>
+        <a:ea typeface="+mj-ea"/>
+        <a:cs typeface="+mj-cs"/>
         <a:sym typeface="Helvetica"/>
       </a:defRPr>
     </a:lvl3pPr>
@@ -164,9 +164,9 @@
         </a:solidFill>
         <a:effectLst/>
         <a:uFillTx/>
-        <a:latin typeface="+mn-lt"/>
-        <a:ea typeface="+mn-ea"/>
-        <a:cs typeface="+mn-cs"/>
+        <a:latin typeface="+mj-lt"/>
+        <a:ea typeface="+mj-ea"/>
+        <a:cs typeface="+mj-cs"/>
         <a:sym typeface="Helvetica"/>
       </a:defRPr>
     </a:lvl4pPr>
@@ -194,9 +194,9 @@
         </a:solidFill>
         <a:effectLst/>
         <a:uFillTx/>
-        <a:latin typeface="+mn-lt"/>
-        <a:ea typeface="+mn-ea"/>
-        <a:cs typeface="+mn-cs"/>
+        <a:latin typeface="+mj-lt"/>
+        <a:ea typeface="+mj-ea"/>
+        <a:cs typeface="+mj-cs"/>
         <a:sym typeface="Helvetica"/>
       </a:defRPr>
     </a:lvl5pPr>
@@ -224,9 +224,9 @@
         </a:solidFill>
         <a:effectLst/>
         <a:uFillTx/>
-        <a:latin typeface="+mn-lt"/>
-        <a:ea typeface="+mn-ea"/>
-        <a:cs typeface="+mn-cs"/>
+        <a:latin typeface="+mj-lt"/>
+        <a:ea typeface="+mj-ea"/>
+        <a:cs typeface="+mj-cs"/>
         <a:sym typeface="Helvetica"/>
       </a:defRPr>
     </a:lvl6pPr>
@@ -254,9 +254,9 @@
         </a:solidFill>
         <a:effectLst/>
         <a:uFillTx/>
-        <a:latin typeface="+mn-lt"/>
-        <a:ea typeface="+mn-ea"/>
-        <a:cs typeface="+mn-cs"/>
+        <a:latin typeface="+mj-lt"/>
+        <a:ea typeface="+mj-ea"/>
+        <a:cs typeface="+mj-cs"/>
         <a:sym typeface="Helvetica"/>
       </a:defRPr>
     </a:lvl7pPr>
@@ -284,9 +284,9 @@
         </a:solidFill>
         <a:effectLst/>
         <a:uFillTx/>
-        <a:latin typeface="+mn-lt"/>
-        <a:ea typeface="+mn-ea"/>
-        <a:cs typeface="+mn-cs"/>
+        <a:latin typeface="+mj-lt"/>
+        <a:ea typeface="+mj-ea"/>
+        <a:cs typeface="+mj-cs"/>
         <a:sym typeface="Helvetica"/>
       </a:defRPr>
     </a:lvl8pPr>
@@ -314,9 +314,9 @@
         </a:solidFill>
         <a:effectLst/>
         <a:uFillTx/>
-        <a:latin typeface="+mn-lt"/>
-        <a:ea typeface="+mn-ea"/>
-        <a:cs typeface="+mn-cs"/>
+        <a:latin typeface="+mj-lt"/>
+        <a:ea typeface="+mj-ea"/>
+        <a:cs typeface="+mj-cs"/>
         <a:sym typeface="Helvetica"/>
       </a:defRPr>
     </a:lvl9pPr>
@@ -401,73 +401,73 @@
   <p:notesStyle>
     <a:lvl1pPr defTabSz="457200" latinLnBrk="0">
       <a:defRPr sz="1200">
-        <a:latin typeface="+mj-lt"/>
-        <a:ea typeface="+mj-ea"/>
-        <a:cs typeface="+mj-cs"/>
+        <a:latin typeface="+mn-lt"/>
+        <a:ea typeface="+mn-ea"/>
+        <a:cs typeface="+mn-cs"/>
         <a:sym typeface="Calibri"/>
       </a:defRPr>
     </a:lvl1pPr>
     <a:lvl2pPr indent="228600" defTabSz="457200" latinLnBrk="0">
       <a:defRPr sz="1200">
-        <a:latin typeface="+mj-lt"/>
-        <a:ea typeface="+mj-ea"/>
-        <a:cs typeface="+mj-cs"/>
+        <a:latin typeface="+mn-lt"/>
+        <a:ea typeface="+mn-ea"/>
+        <a:cs typeface="+mn-cs"/>
         <a:sym typeface="Calibri"/>
       </a:defRPr>
     </a:lvl2pPr>
     <a:lvl3pPr indent="457200" defTabSz="457200" latinLnBrk="0">
       <a:defRPr sz="1200">
-        <a:latin typeface="+mj-lt"/>
-        <a:ea typeface="+mj-ea"/>
-        <a:cs typeface="+mj-cs"/>
+        <a:latin typeface="+mn-lt"/>
+        <a:ea typeface="+mn-ea"/>
+        <a:cs typeface="+mn-cs"/>
         <a:sym typeface="Calibri"/>
       </a:defRPr>
     </a:lvl3pPr>
     <a:lvl4pPr indent="685800" defTabSz="457200" latinLnBrk="0">
       <a:defRPr sz="1200">
-        <a:latin typeface="+mj-lt"/>
-        <a:ea typeface="+mj-ea"/>
-        <a:cs typeface="+mj-cs"/>
+        <a:latin typeface="+mn-lt"/>
+        <a:ea typeface="+mn-ea"/>
+        <a:cs typeface="+mn-cs"/>
         <a:sym typeface="Calibri"/>
       </a:defRPr>
     </a:lvl4pPr>
     <a:lvl5pPr indent="914400" defTabSz="457200" latinLnBrk="0">
       <a:defRPr sz="1200">
-        <a:latin typeface="+mj-lt"/>
-        <a:ea typeface="+mj-ea"/>
-        <a:cs typeface="+mj-cs"/>
+        <a:latin typeface="+mn-lt"/>
+        <a:ea typeface="+mn-ea"/>
+        <a:cs typeface="+mn-cs"/>
         <a:sym typeface="Calibri"/>
       </a:defRPr>
     </a:lvl5pPr>
     <a:lvl6pPr indent="1143000" defTabSz="457200" latinLnBrk="0">
       <a:defRPr sz="1200">
-        <a:latin typeface="+mj-lt"/>
-        <a:ea typeface="+mj-ea"/>
-        <a:cs typeface="+mj-cs"/>
+        <a:latin typeface="+mn-lt"/>
+        <a:ea typeface="+mn-ea"/>
+        <a:cs typeface="+mn-cs"/>
         <a:sym typeface="Calibri"/>
       </a:defRPr>
     </a:lvl6pPr>
     <a:lvl7pPr indent="1371600" defTabSz="457200" latinLnBrk="0">
       <a:defRPr sz="1200">
-        <a:latin typeface="+mj-lt"/>
-        <a:ea typeface="+mj-ea"/>
-        <a:cs typeface="+mj-cs"/>
+        <a:latin typeface="+mn-lt"/>
+        <a:ea typeface="+mn-ea"/>
+        <a:cs typeface="+mn-cs"/>
         <a:sym typeface="Calibri"/>
       </a:defRPr>
     </a:lvl7pPr>
     <a:lvl8pPr indent="1600200" defTabSz="457200" latinLnBrk="0">
       <a:defRPr sz="1200">
-        <a:latin typeface="+mj-lt"/>
-        <a:ea typeface="+mj-ea"/>
-        <a:cs typeface="+mj-cs"/>
+        <a:latin typeface="+mn-lt"/>
+        <a:ea typeface="+mn-ea"/>
+        <a:cs typeface="+mn-cs"/>
         <a:sym typeface="Calibri"/>
       </a:defRPr>
     </a:lvl8pPr>
     <a:lvl9pPr indent="1828800" defTabSz="457200" latinLnBrk="0">
       <a:defRPr sz="1200">
-        <a:latin typeface="+mj-lt"/>
-        <a:ea typeface="+mj-ea"/>
-        <a:cs typeface="+mj-cs"/>
+        <a:latin typeface="+mn-lt"/>
+        <a:ea typeface="+mn-ea"/>
+        <a:cs typeface="+mn-cs"/>
         <a:sym typeface="Calibri"/>
       </a:defRPr>
     </a:lvl9pPr>
@@ -834,7 +834,7 @@
         <p:spPr>
           <a:xfrm>
             <a:off x="722312" y="2906713"/>
-            <a:ext cx="7772401" cy="1500189"/>
+            <a:ext cx="7772401" cy="1500190"/>
           </a:xfrm>
           <a:prstGeom prst="rect">
             <a:avLst/>
@@ -1277,7 +1277,7 @@
         <p:spPr>
           <a:xfrm>
             <a:off x="4645025" y="1535111"/>
-            <a:ext cx="4041775" cy="639765"/>
+            <a:ext cx="4041775" cy="639766"/>
           </a:xfrm>
           <a:prstGeom prst="rect">
             <a:avLst/>
@@ -1470,7 +1470,7 @@
         <p:spPr>
           <a:xfrm>
             <a:off x="457200" y="273050"/>
-            <a:ext cx="3008315" cy="1162050"/>
+            <a:ext cx="3008316" cy="1162050"/>
           </a:xfrm>
           <a:prstGeom prst="rect">
             <a:avLst/>
@@ -1554,7 +1554,7 @@
         <p:spPr>
           <a:xfrm>
             <a:off x="457198" y="1435100"/>
-            <a:ext cx="3008316" cy="4691063"/>
+            <a:ext cx="3008317" cy="4691063"/>
           </a:xfrm>
           <a:prstGeom prst="rect">
             <a:avLst/>
@@ -1627,7 +1627,7 @@
         <p:spPr>
           <a:xfrm>
             <a:off x="1792288" y="4800600"/>
-            <a:ext cx="5486402" cy="566738"/>
+            <a:ext cx="5486403" cy="566738"/>
           </a:xfrm>
           <a:prstGeom prst="rect">
             <a:avLst/>
@@ -1659,7 +1659,7 @@
         <p:spPr>
           <a:xfrm>
             <a:off x="1792288" y="612775"/>
-            <a:ext cx="5486402" cy="4114800"/>
+            <a:ext cx="5486403" cy="4114800"/>
           </a:xfrm>
           <a:prstGeom prst="rect">
             <a:avLst/>
@@ -1686,7 +1686,7 @@
         <p:spPr>
           <a:xfrm>
             <a:off x="1792288" y="5367337"/>
-            <a:ext cx="5486402" cy="804864"/>
+            <a:ext cx="5486403" cy="804865"/>
           </a:xfrm>
           <a:prstGeom prst="rect">
             <a:avLst/>
@@ -1938,8 +1938,8 @@
         </p:nvSpPr>
         <p:spPr>
           <a:xfrm>
-            <a:off x="8428178" y="6414761"/>
-            <a:ext cx="258623" cy="248303"/>
+            <a:off x="8428181" y="6414762"/>
+            <a:ext cx="258620" cy="248302"/>
           </a:xfrm>
           <a:prstGeom prst="rect">
             <a:avLst/>
@@ -1958,9 +1958,9 @@
                 <a:solidFill>
                   <a:srgbClr val="888888"/>
                 </a:solidFill>
-                <a:latin typeface="+mj-lt"/>
-                <a:ea typeface="+mj-ea"/>
-                <a:cs typeface="+mj-cs"/>
+                <a:latin typeface="+mn-lt"/>
+                <a:ea typeface="+mn-ea"/>
+                <a:cs typeface="+mn-cs"/>
                 <a:sym typeface="Calibri"/>
               </a:defRPr>
             </a:lvl1pPr>
@@ -2008,9 +2008,9 @@
             <a:srgbClr val="000000"/>
           </a:solidFill>
           <a:uFillTx/>
-          <a:latin typeface="+mj-lt"/>
-          <a:ea typeface="+mj-ea"/>
-          <a:cs typeface="+mj-cs"/>
+          <a:latin typeface="+mn-lt"/>
+          <a:ea typeface="+mn-ea"/>
+          <a:cs typeface="+mn-cs"/>
           <a:sym typeface="Calibri"/>
         </a:defRPr>
       </a:lvl1pPr>
@@ -2034,9 +2034,9 @@
             <a:srgbClr val="000000"/>
           </a:solidFill>
           <a:uFillTx/>
-          <a:latin typeface="+mj-lt"/>
-          <a:ea typeface="+mj-ea"/>
-          <a:cs typeface="+mj-cs"/>
+          <a:latin typeface="+mn-lt"/>
+          <a:ea typeface="+mn-ea"/>
+          <a:cs typeface="+mn-cs"/>
           <a:sym typeface="Calibri"/>
         </a:defRPr>
       </a:lvl2pPr>
@@ -2060,9 +2060,9 @@
             <a:srgbClr val="000000"/>
           </a:solidFill>
           <a:uFillTx/>
-          <a:latin typeface="+mj-lt"/>
-          <a:ea typeface="+mj-ea"/>
-          <a:cs typeface="+mj-cs"/>
+          <a:latin typeface="+mn-lt"/>
+          <a:ea typeface="+mn-ea"/>
+          <a:cs typeface="+mn-cs"/>
           <a:sym typeface="Calibri"/>
         </a:defRPr>
       </a:lvl3pPr>
@@ -2086,9 +2086,9 @@
             <a:srgbClr val="000000"/>
           </a:solidFill>
           <a:uFillTx/>
-          <a:latin typeface="+mj-lt"/>
-          <a:ea typeface="+mj-ea"/>
-          <a:cs typeface="+mj-cs"/>
+          <a:latin typeface="+mn-lt"/>
+          <a:ea typeface="+mn-ea"/>
+          <a:cs typeface="+mn-cs"/>
           <a:sym typeface="Calibri"/>
         </a:defRPr>
       </a:lvl4pPr>
@@ -2112,9 +2112,9 @@
             <a:srgbClr val="000000"/>
           </a:solidFill>
           <a:uFillTx/>
-          <a:latin typeface="+mj-lt"/>
-          <a:ea typeface="+mj-ea"/>
-          <a:cs typeface="+mj-cs"/>
+          <a:latin typeface="+mn-lt"/>
+          <a:ea typeface="+mn-ea"/>
+          <a:cs typeface="+mn-cs"/>
           <a:sym typeface="Calibri"/>
         </a:defRPr>
       </a:lvl5pPr>
@@ -2138,9 +2138,9 @@
             <a:srgbClr val="000000"/>
           </a:solidFill>
           <a:uFillTx/>
-          <a:latin typeface="+mj-lt"/>
-          <a:ea typeface="+mj-ea"/>
-          <a:cs typeface="+mj-cs"/>
+          <a:latin typeface="+mn-lt"/>
+          <a:ea typeface="+mn-ea"/>
+          <a:cs typeface="+mn-cs"/>
           <a:sym typeface="Calibri"/>
         </a:defRPr>
       </a:lvl6pPr>
@@ -2164,9 +2164,9 @@
             <a:srgbClr val="000000"/>
           </a:solidFill>
           <a:uFillTx/>
-          <a:latin typeface="+mj-lt"/>
-          <a:ea typeface="+mj-ea"/>
-          <a:cs typeface="+mj-cs"/>
+          <a:latin typeface="+mn-lt"/>
+          <a:ea typeface="+mn-ea"/>
+          <a:cs typeface="+mn-cs"/>
           <a:sym typeface="Calibri"/>
         </a:defRPr>
       </a:lvl7pPr>
@@ -2190,9 +2190,9 @@
             <a:srgbClr val="000000"/>
           </a:solidFill>
           <a:uFillTx/>
-          <a:latin typeface="+mj-lt"/>
-          <a:ea typeface="+mj-ea"/>
-          <a:cs typeface="+mj-cs"/>
+          <a:latin typeface="+mn-lt"/>
+          <a:ea typeface="+mn-ea"/>
+          <a:cs typeface="+mn-cs"/>
           <a:sym typeface="Calibri"/>
         </a:defRPr>
       </a:lvl8pPr>
@@ -2216,9 +2216,9 @@
             <a:srgbClr val="000000"/>
           </a:solidFill>
           <a:uFillTx/>
-          <a:latin typeface="+mj-lt"/>
-          <a:ea typeface="+mj-ea"/>
-          <a:cs typeface="+mj-cs"/>
+          <a:latin typeface="+mn-lt"/>
+          <a:ea typeface="+mn-ea"/>
+          <a:cs typeface="+mn-cs"/>
           <a:sym typeface="Calibri"/>
         </a:defRPr>
       </a:lvl9pPr>
@@ -2244,9 +2244,9 @@
             <a:srgbClr val="000000"/>
           </a:solidFill>
           <a:uFillTx/>
-          <a:latin typeface="+mj-lt"/>
-          <a:ea typeface="+mj-ea"/>
-          <a:cs typeface="+mj-cs"/>
+          <a:latin typeface="+mn-lt"/>
+          <a:ea typeface="+mn-ea"/>
+          <a:cs typeface="+mn-cs"/>
           <a:sym typeface="Calibri"/>
         </a:defRPr>
       </a:lvl1pPr>
@@ -2270,9 +2270,9 @@
             <a:srgbClr val="000000"/>
           </a:solidFill>
           <a:uFillTx/>
-          <a:latin typeface="+mj-lt"/>
-          <a:ea typeface="+mj-ea"/>
-          <a:cs typeface="+mj-cs"/>
+          <a:latin typeface="+mn-lt"/>
+          <a:ea typeface="+mn-ea"/>
+          <a:cs typeface="+mn-cs"/>
           <a:sym typeface="Calibri"/>
         </a:defRPr>
       </a:lvl2pPr>
@@ -2296,9 +2296,9 @@
             <a:srgbClr val="000000"/>
           </a:solidFill>
           <a:uFillTx/>
-          <a:latin typeface="+mj-lt"/>
-          <a:ea typeface="+mj-ea"/>
-          <a:cs typeface="+mj-cs"/>
+          <a:latin typeface="+mn-lt"/>
+          <a:ea typeface="+mn-ea"/>
+          <a:cs typeface="+mn-cs"/>
           <a:sym typeface="Calibri"/>
         </a:defRPr>
       </a:lvl3pPr>
@@ -2322,9 +2322,9 @@
             <a:srgbClr val="000000"/>
           </a:solidFill>
           <a:uFillTx/>
-          <a:latin typeface="+mj-lt"/>
-          <a:ea typeface="+mj-ea"/>
-          <a:cs typeface="+mj-cs"/>
+          <a:latin typeface="+mn-lt"/>
+          <a:ea typeface="+mn-ea"/>
+          <a:cs typeface="+mn-cs"/>
           <a:sym typeface="Calibri"/>
         </a:defRPr>
       </a:lvl4pPr>
@@ -2348,9 +2348,9 @@
             <a:srgbClr val="000000"/>
           </a:solidFill>
           <a:uFillTx/>
-          <a:latin typeface="+mj-lt"/>
-          <a:ea typeface="+mj-ea"/>
-          <a:cs typeface="+mj-cs"/>
+          <a:latin typeface="+mn-lt"/>
+          <a:ea typeface="+mn-ea"/>
+          <a:cs typeface="+mn-cs"/>
           <a:sym typeface="Calibri"/>
         </a:defRPr>
       </a:lvl5pPr>
@@ -2374,9 +2374,9 @@
             <a:srgbClr val="000000"/>
           </a:solidFill>
           <a:uFillTx/>
-          <a:latin typeface="+mj-lt"/>
-          <a:ea typeface="+mj-ea"/>
-          <a:cs typeface="+mj-cs"/>
+          <a:latin typeface="+mn-lt"/>
+          <a:ea typeface="+mn-ea"/>
+          <a:cs typeface="+mn-cs"/>
           <a:sym typeface="Calibri"/>
         </a:defRPr>
       </a:lvl6pPr>
@@ -2400,9 +2400,9 @@
             <a:srgbClr val="000000"/>
           </a:solidFill>
           <a:uFillTx/>
-          <a:latin typeface="+mj-lt"/>
-          <a:ea typeface="+mj-ea"/>
-          <a:cs typeface="+mj-cs"/>
+          <a:latin typeface="+mn-lt"/>
+          <a:ea typeface="+mn-ea"/>
+          <a:cs typeface="+mn-cs"/>
           <a:sym typeface="Calibri"/>
         </a:defRPr>
       </a:lvl7pPr>
@@ -2426,9 +2426,9 @@
             <a:srgbClr val="000000"/>
           </a:solidFill>
           <a:uFillTx/>
-          <a:latin typeface="+mj-lt"/>
-          <a:ea typeface="+mj-ea"/>
-          <a:cs typeface="+mj-cs"/>
+          <a:latin typeface="+mn-lt"/>
+          <a:ea typeface="+mn-ea"/>
+          <a:cs typeface="+mn-cs"/>
           <a:sym typeface="Calibri"/>
         </a:defRPr>
       </a:lvl8pPr>
@@ -2452,9 +2452,9 @@
             <a:srgbClr val="000000"/>
           </a:solidFill>
           <a:uFillTx/>
-          <a:latin typeface="+mj-lt"/>
-          <a:ea typeface="+mj-ea"/>
-          <a:cs typeface="+mj-cs"/>
+          <a:latin typeface="+mn-lt"/>
+          <a:ea typeface="+mn-ea"/>
+          <a:cs typeface="+mn-cs"/>
           <a:sym typeface="Calibri"/>
         </a:defRPr>
       </a:lvl9pPr>
@@ -2823,12 +2823,16 @@
           </p:nvPr>
         </p:nvSpPr>
         <p:spPr>
+          <a:xfrm>
+            <a:off x="457200" y="274638"/>
+            <a:ext cx="8229600" cy="1143001"/>
+          </a:xfrm>
           <a:prstGeom prst="rect">
             <a:avLst/>
           </a:prstGeom>
         </p:spPr>
         <p:txBody>
-          <a:bodyPr lIns="45719" tIns="45719" rIns="45719" bIns="45719"/>
+          <a:bodyPr lIns="45718" tIns="45718" rIns="45718" bIns="45718"/>
           <a:lstStyle/>
           <a:p>
             <a:pPr/>
@@ -2849,21 +2853,21 @@
         <p:spPr>
           <a:xfrm>
             <a:off x="634424" y="4683256"/>
-            <a:ext cx="8052377" cy="1692319"/>
+            <a:ext cx="8052376" cy="1692319"/>
           </a:xfrm>
           <a:prstGeom prst="rect">
             <a:avLst/>
           </a:prstGeom>
         </p:spPr>
         <p:txBody>
-          <a:bodyPr lIns="45719" tIns="45719" rIns="45719" bIns="45719"/>
+          <a:bodyPr lIns="45718" tIns="45718" rIns="45718" bIns="45718"/>
           <a:lstStyle/>
           <a:p>
             <a:pPr marL="192023" indent="-192023" defTabSz="256031">
               <a:spcBef>
                 <a:spcPts val="400"/>
               </a:spcBef>
-              <a:defRPr sz="1792"/>
+              <a:defRPr sz="1700"/>
             </a:pPr>
             <a:r>
               <a:t>A lower threshold yields higher recall (</a:t>
@@ -2888,7 +2892,7 @@
               <a:spcBef>
                 <a:spcPts val="400"/>
               </a:spcBef>
-              <a:defRPr sz="1792"/>
+              <a:defRPr sz="1700"/>
             </a:pPr>
             <a:r>
               <a:t>If false negatives are costly (e.g., missed diagnoses), a lower threshold is preferable.</a:t>
@@ -2899,13 +2903,10 @@
               <a:spcBef>
                 <a:spcPts val="400"/>
               </a:spcBef>
-              <a:defRPr sz="1792"/>
+              <a:defRPr sz="1700"/>
             </a:pPr>
             <a:r>
-              <a:t>I</a:t>
-            </a:r>
-            <a:r>
-              <a:t>f false positives are more costly (e.g., unnecessary treatments), a higher threshold may be favored.</a:t>
+              <a:t>If false positives are more costly (e.g., unnecessary treatments), a higher threshold may be favored.</a:t>
             </a:r>
           </a:p>
         </p:txBody>
@@ -2918,15 +2919,15 @@
         </p:nvGrpSpPr>
         <p:grpSpPr>
           <a:xfrm>
-            <a:off x="1178198" y="1278111"/>
-            <a:ext cx="6787604" cy="3442453"/>
+            <a:off x="1178198" y="1278110"/>
+            <a:ext cx="6787606" cy="3442456"/>
             <a:chOff x="0" y="0"/>
-            <a:chExt cx="6787603" cy="3442451"/>
+            <a:chExt cx="6787605" cy="3442454"/>
           </a:xfrm>
         </p:grpSpPr>
         <p:pic>
           <p:nvPicPr>
-            <p:cNvPr id="132" name="AD_4nXc47GldjTRh8PsLHoNLqXiHbitPP-gfzxOxYkMfMcArCjMAegCHD-pkxiSUgYM7KiGuXS9ZeW6uLHVnsP_xMtbHvbulVwRkEzBRpW4DubyUQkFErCl0u6HENb5yUxyK-ZtPvJj_P50chVZxJXcwAYYmKkzq.png" descr="AD_4nXc47GldjTRh8PsLHoNLqXiHbitPP-gfzxOxYkMfMcArCjMAegCHD-pkxiSUgYM7KiGuXS9ZeW6uLHVnsP_xMtbHvbulVwRkEzBRpW4DubyUQkFErCl0u6HENb5yUxyK-ZtPvJj_P50chVZxJXcwAYYmKkzq.png"/>
+            <p:cNvPr id="131" name="AD_4nXc47GldjTRh8PsLHoNLqXiHbitPP-gfzxOxYkMfMcArCjMAegCHD-pkxiSUgYM7KiGuXS9ZeW6uLHVnsP_xMtbHvbulVwRkEzBRpW4DubyUQkFErCl0u6HENb5yUxyK-ZtPvJj_P50chVZxJXcwAYYmKkzq.png" descr="AD_4nXc47GldjTRh8PsLHoNLqXiHbitPP-gfzxOxYkMfMcArCjMAegCHD-pkxiSUgYM7KiGuXS9ZeW6uLHVnsP_xMtbHvbulVwRkEzBRpW4DubyUQkFErCl0u6HENb5yUxyK-ZtPvJj_P50chVZxJXcwAYYmKkzq.png"/>
             <p:cNvPicPr>
               <a:picLocks noChangeAspect="1"/>
             </p:cNvPicPr>
@@ -2942,23 +2943,24 @@
           </p:blipFill>
           <p:spPr>
             <a:xfrm>
-              <a:off x="215900" y="139699"/>
-              <a:ext cx="6355804" cy="2883653"/>
+              <a:off x="215899" y="139699"/>
+              <a:ext cx="6355807" cy="2883655"/>
             </a:xfrm>
             <a:prstGeom prst="rect">
               <a:avLst/>
             </a:prstGeom>
-            <a:ln>
-              <a:noFill/>
+            <a:ln w="12700" cap="flat">
+              <a:noFill/>
+              <a:miter lim="400000"/>
             </a:ln>
             <a:effectLst/>
           </p:spPr>
         </p:pic>
         <p:pic>
           <p:nvPicPr>
-            <p:cNvPr id="131" name="AD_4nXc47GldjTRh8PsLHoNLqXiHbitPP-gfzxOxYkMfMcArCjMAegCHD-pkxiSUgYM7KiGuXS9ZeW6uLHVnsP_xMtbHvbulVwRkEzBRpW4DubyUQkFErCl0u6HENb5yUxyK-ZtPvJj_P50chVZxJXcwAYYmKkzq.png" descr="AD_4nXc47GldjTRh8PsLHoNLqXiHbitPP-gfzxOxYkMfMcArCjMAegCHD-pkxiSUgYM7KiGuXS9ZeW6uLHVnsP_xMtbHvbulVwRkEzBRpW4DubyUQkFErCl0u6HENb5yUxyK-ZtPvJj_P50chVZxJXcwAYYmKkzq.png"/>
+            <p:cNvPr id="132" name="AD_4nXc47GldjTRh8PsLHoNLqXiHbitPP-gfzxOxYkMfMcArCjMAegCHD-pkxiSUgYM7KiGuXS9ZeW6uLHVnsP_xMtbHvbulVwRkEzBRpW4DubyUQkFErCl0u6HENb5yUxyK-ZtPvJj_P50chVZxJXcwAYYmKkzq.png" descr="AD_4nXc47GldjTRh8PsLHoNLqXiHbitPP-gfzxOxYkMfMcArCjMAegCHD-pkxiSUgYM7KiGuXS9ZeW6uLHVnsP_xMtbHvbulVwRkEzBRpW4DubyUQkFErCl0u6HENb5yUxyK-ZtPvJj_P50chVZxJXcwAYYmKkzq.png"/>
             <p:cNvPicPr>
-              <a:picLocks noChangeAspect="0"/>
+              <a:picLocks noChangeAspect="1"/>
             </p:cNvPicPr>
             <p:nvPr/>
           </p:nvPicPr>
@@ -2973,11 +2975,15 @@
           <p:spPr>
             <a:xfrm>
               <a:off x="0" y="-1"/>
-              <a:ext cx="6787604" cy="3442453"/>
+              <a:ext cx="6787606" cy="3442456"/>
             </a:xfrm>
             <a:prstGeom prst="rect">
               <a:avLst/>
             </a:prstGeom>
+            <a:ln w="12700" cap="flat">
+              <a:noFill/>
+              <a:miter lim="400000"/>
+            </a:ln>
             <a:effectLst/>
           </p:spPr>
         </p:pic>
@@ -3274,7 +3280,6 @@
           <a:p>
             <a:pPr marL="0" indent="0">
               <a:buSzTx/>
-              <a:buFontTx/>
               <a:buNone/>
             </a:pPr>
             <a:r>
@@ -3417,7 +3422,7 @@
             </a:r>
             <a:r>
               <a:rPr b="1"/>
-              <a:t>XGBoost</a:t>
+              <a:t>XGBoost, Random Forest</a:t>
             </a:r>
             <a:r>
               <a:t> and </a:t>
@@ -3469,7 +3474,7 @@
         <p:spPr>
           <a:xfrm>
             <a:off x="457199" y="2368747"/>
-            <a:ext cx="8229601" cy="1143002"/>
+            <a:ext cx="8229601" cy="1143003"/>
           </a:xfrm>
           <a:prstGeom prst="rect">
             <a:avLst/>
@@ -3481,7 +3486,7 @@
           <a:p>
             <a:pPr/>
             <a:r>
-              <a:t>Data Analysis and Visual</a:t>
+              <a:t>Data Analysis and Visualization</a:t>
             </a:r>
           </a:p>
         </p:txBody>
@@ -3520,15 +3525,15 @@
         </p:nvGrpSpPr>
         <p:grpSpPr>
           <a:xfrm>
-            <a:off x="1247675" y="922728"/>
-            <a:ext cx="5464313" cy="4026583"/>
+            <a:off x="1247674" y="922727"/>
+            <a:ext cx="5464316" cy="4026585"/>
             <a:chOff x="0" y="0"/>
-            <a:chExt cx="5464312" cy="4026581"/>
+            <a:chExt cx="5464314" cy="4026584"/>
           </a:xfrm>
         </p:grpSpPr>
         <p:pic>
           <p:nvPicPr>
-            <p:cNvPr id="106" name="AD_4nXdRsMHP7zq1mrsl_pH2mRDPAhwygXD1rQI15UOa4ERC2Ze4wYWhA9dbbrpa6rss83nXMU6YPi_N5dccjBO98I8-QiXdPXoPKISkieN1CjbO5aDYbn_Ao6CQgHP_xzNRv_BsRsT7REwPtqQHChGFw2fAIMnF.png" descr="AD_4nXdRsMHP7zq1mrsl_pH2mRDPAhwygXD1rQI15UOa4ERC2Ze4wYWhA9dbbrpa6rss83nXMU6YPi_N5dccjBO98I8-QiXdPXoPKISkieN1CjbO5aDYbn_Ao6CQgHP_xzNRv_BsRsT7REwPtqQHChGFw2fAIMnF.png"/>
+            <p:cNvPr id="105" name="AD_4nXdRsMHP7zq1mrsl_pH2mRDPAhwygXD1rQI15UOa4ERC2Ze4wYWhA9dbbrpa6rss83nXMU6YPi_N5dccjBO98I8-QiXdPXoPKISkieN1CjbO5aDYbn_Ao6CQgHP_xzNRv_BsRsT7REwPtqQHChGFw2fAIMnF.png" descr="AD_4nXdRsMHP7zq1mrsl_pH2mRDPAhwygXD1rQI15UOa4ERC2Ze4wYWhA9dbbrpa6rss83nXMU6YPi_N5dccjBO98I8-QiXdPXoPKISkieN1CjbO5aDYbn_Ao6CQgHP_xzNRv_BsRsT7REwPtqQHChGFw2fAIMnF.png"/>
             <p:cNvPicPr>
               <a:picLocks noChangeAspect="1"/>
             </p:cNvPicPr>
@@ -3544,23 +3549,24 @@
           </p:blipFill>
           <p:spPr>
             <a:xfrm>
-              <a:off x="215900" y="139700"/>
-              <a:ext cx="5032513" cy="3467782"/>
+              <a:off x="215899" y="139700"/>
+              <a:ext cx="5032516" cy="3467784"/>
             </a:xfrm>
             <a:prstGeom prst="rect">
               <a:avLst/>
             </a:prstGeom>
-            <a:ln>
-              <a:noFill/>
+            <a:ln w="12700" cap="flat">
+              <a:noFill/>
+              <a:miter lim="400000"/>
             </a:ln>
             <a:effectLst/>
           </p:spPr>
         </p:pic>
         <p:pic>
           <p:nvPicPr>
-            <p:cNvPr id="105" name="AD_4nXdRsMHP7zq1mrsl_pH2mRDPAhwygXD1rQI15UOa4ERC2Ze4wYWhA9dbbrpa6rss83nXMU6YPi_N5dccjBO98I8-QiXdPXoPKISkieN1CjbO5aDYbn_Ao6CQgHP_xzNRv_BsRsT7REwPtqQHChGFw2fAIMnF.png" descr="AD_4nXdRsMHP7zq1mrsl_pH2mRDPAhwygXD1rQI15UOa4ERC2Ze4wYWhA9dbbrpa6rss83nXMU6YPi_N5dccjBO98I8-QiXdPXoPKISkieN1CjbO5aDYbn_Ao6CQgHP_xzNRv_BsRsT7REwPtqQHChGFw2fAIMnF.png"/>
+            <p:cNvPr id="106" name="AD_4nXdRsMHP7zq1mrsl_pH2mRDPAhwygXD1rQI15UOa4ERC2Ze4wYWhA9dbbrpa6rss83nXMU6YPi_N5dccjBO98I8-QiXdPXoPKISkieN1CjbO5aDYbn_Ao6CQgHP_xzNRv_BsRsT7REwPtqQHChGFw2fAIMnF.png" descr="AD_4nXdRsMHP7zq1mrsl_pH2mRDPAhwygXD1rQI15UOa4ERC2Ze4wYWhA9dbbrpa6rss83nXMU6YPi_N5dccjBO98I8-QiXdPXoPKISkieN1CjbO5aDYbn_Ao6CQgHP_xzNRv_BsRsT7REwPtqQHChGFw2fAIMnF.png"/>
             <p:cNvPicPr>
-              <a:picLocks noChangeAspect="0"/>
+              <a:picLocks noChangeAspect="1"/>
             </p:cNvPicPr>
             <p:nvPr/>
           </p:nvPicPr>
@@ -3574,12 +3580,16 @@
           </p:blipFill>
           <p:spPr>
             <a:xfrm>
-              <a:off x="0" y="0"/>
-              <a:ext cx="5464313" cy="4026582"/>
+              <a:off x="-1" y="-1"/>
+              <a:ext cx="5464316" cy="4026585"/>
             </a:xfrm>
             <a:prstGeom prst="rect">
               <a:avLst/>
             </a:prstGeom>
+            <a:ln w="12700" cap="flat">
+              <a:noFill/>
+              <a:miter lim="400000"/>
+            </a:ln>
             <a:effectLst/>
           </p:spPr>
         </p:pic>
@@ -3592,8 +3602,8 @@
         </p:nvSpPr>
         <p:spPr>
           <a:xfrm>
-            <a:off x="1218203" y="5215643"/>
-            <a:ext cx="7298922" cy="625186"/>
+            <a:off x="1218203" y="5215642"/>
+            <a:ext cx="7298922" cy="625185"/>
           </a:xfrm>
           <a:prstGeom prst="rect">
             <a:avLst/>
@@ -3614,9 +3624,9 @@
           <a:lstStyle>
             <a:lvl1pPr>
               <a:defRPr>
-                <a:latin typeface="+mj-lt"/>
-                <a:ea typeface="+mj-ea"/>
-                <a:cs typeface="+mj-cs"/>
+                <a:latin typeface="+mn-lt"/>
+                <a:ea typeface="+mn-ea"/>
+                <a:cs typeface="+mn-cs"/>
                 <a:sym typeface="Calibri"/>
               </a:defRPr>
             </a:lvl1pPr>
@@ -3663,8 +3673,8 @@
         </p:nvSpPr>
         <p:spPr>
           <a:xfrm>
-            <a:off x="1173654" y="5207300"/>
-            <a:ext cx="7230532" cy="625186"/>
+            <a:off x="1173653" y="5207299"/>
+            <a:ext cx="7230534" cy="625185"/>
           </a:xfrm>
           <a:prstGeom prst="rect">
             <a:avLst/>
@@ -3685,9 +3695,9 @@
           <a:lstStyle>
             <a:lvl1pPr>
               <a:defRPr>
-                <a:latin typeface="+mj-lt"/>
-                <a:ea typeface="+mj-ea"/>
-                <a:cs typeface="+mj-cs"/>
+                <a:latin typeface="+mn-lt"/>
+                <a:ea typeface="+mn-ea"/>
+                <a:cs typeface="+mn-cs"/>
                 <a:sym typeface="Calibri"/>
               </a:defRPr>
             </a:lvl1pPr>
@@ -3709,14 +3719,14 @@
         <p:grpSpPr>
           <a:xfrm>
             <a:off x="1473570" y="1022303"/>
-            <a:ext cx="5188451" cy="4107413"/>
+            <a:ext cx="5188453" cy="4107414"/>
             <a:chOff x="0" y="0"/>
-            <a:chExt cx="5188449" cy="4107412"/>
+            <a:chExt cx="5188451" cy="4107413"/>
           </a:xfrm>
         </p:grpSpPr>
         <p:pic>
           <p:nvPicPr>
-            <p:cNvPr id="112" name="AD_4nXf8OJhcsbYpgo4mCDGfOgKPgVYK_r1TAPVsTB7rHLNY8aX6LMWIveowjpjTMkZihQOqqhnpKfZ9VdejSHkJFeSR4D2FDuzf1SC84aaF1w9noBoZdynASPkd6y2LiFN5ud9zIix2A3WN0gMI-C0CJ8Do1do.png" descr="AD_4nXf8OJhcsbYpgo4mCDGfOgKPgVYK_r1TAPVsTB7rHLNY8aX6LMWIveowjpjTMkZihQOqqhnpKfZ9VdejSHkJFeSR4D2FDuzf1SC84aaF1w9noBoZdynASPkd6y2LiFN5ud9zIix2A3WN0gMI-C0CJ8Do1do.png"/>
+            <p:cNvPr id="111" name="AD_4nXf8OJhcsbYpgo4mCDGfOgKPgVYK_r1TAPVsTB7rHLNY8aX6LMWIveowjpjTMkZihQOqqhnpKfZ9VdejSHkJFeSR4D2FDuzf1SC84aaF1w9noBoZdynASPkd6y2LiFN5ud9zIix2A3WN0gMI-C0CJ8Do1do.png" descr="AD_4nXf8OJhcsbYpgo4mCDGfOgKPgVYK_r1TAPVsTB7rHLNY8aX6LMWIveowjpjTMkZihQOqqhnpKfZ9VdejSHkJFeSR4D2FDuzf1SC84aaF1w9noBoZdynASPkd6y2LiFN5ud9zIix2A3WN0gMI-C0CJ8Do1do.png"/>
             <p:cNvPicPr>
               <a:picLocks noChangeAspect="1"/>
             </p:cNvPicPr>
@@ -3733,22 +3743,23 @@
           <p:spPr>
             <a:xfrm>
               <a:off x="215900" y="139700"/>
-              <a:ext cx="4756650" cy="3548613"/>
+              <a:ext cx="4756653" cy="3548614"/>
             </a:xfrm>
             <a:prstGeom prst="rect">
               <a:avLst/>
             </a:prstGeom>
-            <a:ln>
-              <a:noFill/>
+            <a:ln w="12700" cap="flat">
+              <a:noFill/>
+              <a:miter lim="400000"/>
             </a:ln>
             <a:effectLst/>
           </p:spPr>
         </p:pic>
         <p:pic>
           <p:nvPicPr>
-            <p:cNvPr id="111" name="AD_4nXf8OJhcsbYpgo4mCDGfOgKPgVYK_r1TAPVsTB7rHLNY8aX6LMWIveowjpjTMkZihQOqqhnpKfZ9VdejSHkJFeSR4D2FDuzf1SC84aaF1w9noBoZdynASPkd6y2LiFN5ud9zIix2A3WN0gMI-C0CJ8Do1do.png" descr="AD_4nXf8OJhcsbYpgo4mCDGfOgKPgVYK_r1TAPVsTB7rHLNY8aX6LMWIveowjpjTMkZihQOqqhnpKfZ9VdejSHkJFeSR4D2FDuzf1SC84aaF1w9noBoZdynASPkd6y2LiFN5ud9zIix2A3WN0gMI-C0CJ8Do1do.png"/>
+            <p:cNvPr id="112" name="AD_4nXf8OJhcsbYpgo4mCDGfOgKPgVYK_r1TAPVsTB7rHLNY8aX6LMWIveowjpjTMkZihQOqqhnpKfZ9VdejSHkJFeSR4D2FDuzf1SC84aaF1w9noBoZdynASPkd6y2LiFN5ud9zIix2A3WN0gMI-C0CJ8Do1do.png" descr="AD_4nXf8OJhcsbYpgo4mCDGfOgKPgVYK_r1TAPVsTB7rHLNY8aX6LMWIveowjpjTMkZihQOqqhnpKfZ9VdejSHkJFeSR4D2FDuzf1SC84aaF1w9noBoZdynASPkd6y2LiFN5ud9zIix2A3WN0gMI-C0CJ8Do1do.png"/>
             <p:cNvPicPr>
-              <a:picLocks noChangeAspect="0"/>
+              <a:picLocks noChangeAspect="1"/>
             </p:cNvPicPr>
             <p:nvPr/>
           </p:nvPicPr>
@@ -3763,11 +3774,15 @@
           <p:spPr>
             <a:xfrm>
               <a:off x="0" y="0"/>
-              <a:ext cx="5188450" cy="4107413"/>
+              <a:ext cx="5188453" cy="4107414"/>
             </a:xfrm>
             <a:prstGeom prst="rect">
               <a:avLst/>
             </a:prstGeom>
+            <a:ln w="12700" cap="flat">
+              <a:noFill/>
+              <a:miter lim="400000"/>
+            </a:ln>
             <a:effectLst/>
           </p:spPr>
         </p:pic>
@@ -3806,8 +3821,8 @@
         </p:nvSpPr>
         <p:spPr>
           <a:xfrm>
-            <a:off x="1311476" y="5248737"/>
-            <a:ext cx="7508723" cy="625186"/>
+            <a:off x="1311475" y="5248736"/>
+            <a:ext cx="7508724" cy="625185"/>
           </a:xfrm>
           <a:prstGeom prst="rect">
             <a:avLst/>
@@ -3828,9 +3843,9 @@
           <a:lstStyle>
             <a:lvl1pPr>
               <a:defRPr>
-                <a:latin typeface="+mj-lt"/>
-                <a:ea typeface="+mj-ea"/>
-                <a:cs typeface="+mj-cs"/>
+                <a:latin typeface="+mn-lt"/>
+                <a:ea typeface="+mn-ea"/>
+                <a:cs typeface="+mn-cs"/>
                 <a:sym typeface="Calibri"/>
               </a:defRPr>
             </a:lvl1pPr>
@@ -3851,15 +3866,15 @@
         </p:nvGrpSpPr>
         <p:grpSpPr>
           <a:xfrm>
-            <a:off x="1723862" y="413259"/>
-            <a:ext cx="5513203" cy="4349688"/>
+            <a:off x="1723861" y="413258"/>
+            <a:ext cx="5513206" cy="4349691"/>
             <a:chOff x="0" y="0"/>
-            <a:chExt cx="5513201" cy="4349686"/>
+            <a:chExt cx="5513204" cy="4349689"/>
           </a:xfrm>
         </p:grpSpPr>
         <p:pic>
           <p:nvPicPr>
-            <p:cNvPr id="117" name="AD_4nXfJvWd8XnMVEPtzMPgV0nU_C1LdcVLULuEIUBSa0M5d03bGXSy9cojxWhEOk7lxvDcCBusWHYkx893FU-kbTHiEQqSKsGO5KgX690dOQJ-nR3gFK2RWSjUlYSilXOPHNbYfA8zLlcG_jBSXrCCHHRQ8UkYU.png" descr="AD_4nXfJvWd8XnMVEPtzMPgV0nU_C1LdcVLULuEIUBSa0M5d03bGXSy9cojxWhEOk7lxvDcCBusWHYkx893FU-kbTHiEQqSKsGO5KgX690dOQJ-nR3gFK2RWSjUlYSilXOPHNbYfA8zLlcG_jBSXrCCHHRQ8UkYU.png"/>
+            <p:cNvPr id="116" name="AD_4nXfJvWd8XnMVEPtzMPgV0nU_C1LdcVLULuEIUBSa0M5d03bGXSy9cojxWhEOk7lxvDcCBusWHYkx893FU-kbTHiEQqSKsGO5KgX690dOQJ-nR3gFK2RWSjUlYSilXOPHNbYfA8zLlcG_jBSXrCCHHRQ8UkYU.png" descr="AD_4nXfJvWd8XnMVEPtzMPgV0nU_C1LdcVLULuEIUBSa0M5d03bGXSy9cojxWhEOk7lxvDcCBusWHYkx893FU-kbTHiEQqSKsGO5KgX690dOQJ-nR3gFK2RWSjUlYSilXOPHNbYfA8zLlcG_jBSXrCCHHRQ8UkYU.png"/>
             <p:cNvPicPr>
               <a:picLocks noChangeAspect="1"/>
             </p:cNvPicPr>
@@ -3876,22 +3891,23 @@
           <p:spPr>
             <a:xfrm>
               <a:off x="215900" y="139700"/>
-              <a:ext cx="5081402" cy="3790887"/>
+              <a:ext cx="5081404" cy="3790889"/>
             </a:xfrm>
             <a:prstGeom prst="rect">
               <a:avLst/>
             </a:prstGeom>
-            <a:ln>
-              <a:noFill/>
+            <a:ln w="12700" cap="flat">
+              <a:noFill/>
+              <a:miter lim="400000"/>
             </a:ln>
             <a:effectLst/>
           </p:spPr>
         </p:pic>
         <p:pic>
           <p:nvPicPr>
-            <p:cNvPr id="116" name="AD_4nXfJvWd8XnMVEPtzMPgV0nU_C1LdcVLULuEIUBSa0M5d03bGXSy9cojxWhEOk7lxvDcCBusWHYkx893FU-kbTHiEQqSKsGO5KgX690dOQJ-nR3gFK2RWSjUlYSilXOPHNbYfA8zLlcG_jBSXrCCHHRQ8UkYU.png" descr="AD_4nXfJvWd8XnMVEPtzMPgV0nU_C1LdcVLULuEIUBSa0M5d03bGXSy9cojxWhEOk7lxvDcCBusWHYkx893FU-kbTHiEQqSKsGO5KgX690dOQJ-nR3gFK2RWSjUlYSilXOPHNbYfA8zLlcG_jBSXrCCHHRQ8UkYU.png"/>
+            <p:cNvPr id="117" name="AD_4nXfJvWd8XnMVEPtzMPgV0nU_C1LdcVLULuEIUBSa0M5d03bGXSy9cojxWhEOk7lxvDcCBusWHYkx893FU-kbTHiEQqSKsGO5KgX690dOQJ-nR3gFK2RWSjUlYSilXOPHNbYfA8zLlcG_jBSXrCCHHRQ8UkYU.png" descr="AD_4nXfJvWd8XnMVEPtzMPgV0nU_C1LdcVLULuEIUBSa0M5d03bGXSy9cojxWhEOk7lxvDcCBusWHYkx893FU-kbTHiEQqSKsGO5KgX690dOQJ-nR3gFK2RWSjUlYSilXOPHNbYfA8zLlcG_jBSXrCCHHRQ8UkYU.png"/>
             <p:cNvPicPr>
-              <a:picLocks noChangeAspect="0"/>
+              <a:picLocks noChangeAspect="1"/>
             </p:cNvPicPr>
             <p:nvPr/>
           </p:nvPicPr>
@@ -3905,12 +3921,16 @@
           </p:blipFill>
           <p:spPr>
             <a:xfrm>
-              <a:off x="0" y="0"/>
-              <a:ext cx="5513202" cy="4349687"/>
+              <a:off x="-1" y="-1"/>
+              <a:ext cx="5513206" cy="4349691"/>
             </a:xfrm>
             <a:prstGeom prst="rect">
               <a:avLst/>
             </a:prstGeom>
+            <a:ln w="12700" cap="flat">
+              <a:noFill/>
+              <a:miter lim="400000"/>
+            </a:ln>
             <a:effectLst/>
           </p:spPr>
         </p:pic>
@@ -3980,7 +4000,7 @@
         <p:spPr>
           <a:xfrm>
             <a:off x="457199" y="1641915"/>
-            <a:ext cx="8229601" cy="4525964"/>
+            <a:ext cx="8229601" cy="4525965"/>
           </a:xfrm>
           <a:prstGeom prst="rect">
             <a:avLst/>
@@ -4071,15 +4091,15 @@
         </p:nvGrpSpPr>
         <p:grpSpPr>
           <a:xfrm>
-            <a:off x="1622982" y="1167380"/>
-            <a:ext cx="5898036" cy="3425708"/>
+            <a:off x="1622981" y="1167379"/>
+            <a:ext cx="5898039" cy="3425710"/>
             <a:chOff x="0" y="0"/>
-            <a:chExt cx="5898035" cy="3425707"/>
+            <a:chExt cx="5898037" cy="3425709"/>
           </a:xfrm>
         </p:grpSpPr>
         <p:pic>
           <p:nvPicPr>
-            <p:cNvPr id="124" name="AD_4nXecDSviBGdb6EFYh8fnP-ojRqdgdfSMbp3P3f6DpxH5IpuLQRFmT16MJ66Y8gfOV82EMsPyz04tphDbx3sA4-Edb2kGgn1aekPgDwgXwzsCEtxOrAOPd4Y6EjjYWhQitzljVDBR2Qibg7AGNbVw4dGeQfU.png" descr="AD_4nXecDSviBGdb6EFYh8fnP-ojRqdgdfSMbp3P3f6DpxH5IpuLQRFmT16MJ66Y8gfOV82EMsPyz04tphDbx3sA4-Edb2kGgn1aekPgDwgXwzsCEtxOrAOPd4Y6EjjYWhQitzljVDBR2Qibg7AGNbVw4dGeQfU.png"/>
+            <p:cNvPr id="123" name="AD_4nXecDSviBGdb6EFYh8fnP-ojRqdgdfSMbp3P3f6DpxH5IpuLQRFmT16MJ66Y8gfOV82EMsPyz04tphDbx3sA4-Edb2kGgn1aekPgDwgXwzsCEtxOrAOPd4Y6EjjYWhQitzljVDBR2Qibg7AGNbVw4dGeQfU.png" descr="AD_4nXecDSviBGdb6EFYh8fnP-ojRqdgdfSMbp3P3f6DpxH5IpuLQRFmT16MJ66Y8gfOV82EMsPyz04tphDbx3sA4-Edb2kGgn1aekPgDwgXwzsCEtxOrAOPd4Y6EjjYWhQitzljVDBR2Qibg7AGNbVw4dGeQfU.png"/>
             <p:cNvPicPr>
               <a:picLocks noChangeAspect="1"/>
             </p:cNvPicPr>
@@ -4095,23 +4115,24 @@
           </p:blipFill>
           <p:spPr>
             <a:xfrm>
-              <a:off x="215900" y="139700"/>
-              <a:ext cx="5466236" cy="2866907"/>
+              <a:off x="215899" y="139700"/>
+              <a:ext cx="5466239" cy="2866908"/>
             </a:xfrm>
             <a:prstGeom prst="rect">
               <a:avLst/>
             </a:prstGeom>
-            <a:ln>
-              <a:noFill/>
+            <a:ln w="12700" cap="flat">
+              <a:noFill/>
+              <a:miter lim="400000"/>
             </a:ln>
             <a:effectLst/>
           </p:spPr>
         </p:pic>
         <p:pic>
           <p:nvPicPr>
-            <p:cNvPr id="123" name="AD_4nXecDSviBGdb6EFYh8fnP-ojRqdgdfSMbp3P3f6DpxH5IpuLQRFmT16MJ66Y8gfOV82EMsPyz04tphDbx3sA4-Edb2kGgn1aekPgDwgXwzsCEtxOrAOPd4Y6EjjYWhQitzljVDBR2Qibg7AGNbVw4dGeQfU.png" descr="AD_4nXecDSviBGdb6EFYh8fnP-ojRqdgdfSMbp3P3f6DpxH5IpuLQRFmT16MJ66Y8gfOV82EMsPyz04tphDbx3sA4-Edb2kGgn1aekPgDwgXwzsCEtxOrAOPd4Y6EjjYWhQitzljVDBR2Qibg7AGNbVw4dGeQfU.png"/>
+            <p:cNvPr id="124" name="AD_4nXecDSviBGdb6EFYh8fnP-ojRqdgdfSMbp3P3f6DpxH5IpuLQRFmT16MJ66Y8gfOV82EMsPyz04tphDbx3sA4-Edb2kGgn1aekPgDwgXwzsCEtxOrAOPd4Y6EjjYWhQitzljVDBR2Qibg7AGNbVw4dGeQfU.png" descr="AD_4nXecDSviBGdb6EFYh8fnP-ojRqdgdfSMbp3P3f6DpxH5IpuLQRFmT16MJ66Y8gfOV82EMsPyz04tphDbx3sA4-Edb2kGgn1aekPgDwgXwzsCEtxOrAOPd4Y6EjjYWhQitzljVDBR2Qibg7AGNbVw4dGeQfU.png"/>
             <p:cNvPicPr>
-              <a:picLocks noChangeAspect="0"/>
+              <a:picLocks noChangeAspect="1"/>
             </p:cNvPicPr>
             <p:nvPr/>
           </p:nvPicPr>
@@ -4125,12 +4146,16 @@
           </p:blipFill>
           <p:spPr>
             <a:xfrm>
-              <a:off x="0" y="-1"/>
-              <a:ext cx="5898036" cy="3425709"/>
+              <a:off x="-1" y="-1"/>
+              <a:ext cx="5898039" cy="3425710"/>
             </a:xfrm>
             <a:prstGeom prst="rect">
               <a:avLst/>
             </a:prstGeom>
+            <a:ln w="12700" cap="flat">
+              <a:noFill/>
+              <a:miter lim="400000"/>
+            </a:ln>
             <a:effectLst/>
           </p:spPr>
         </p:pic>
@@ -4144,7 +4169,7 @@
         <p:spPr>
           <a:xfrm>
             <a:off x="752929" y="4631568"/>
-            <a:ext cx="7638141" cy="1209386"/>
+            <a:ext cx="7638141" cy="1209384"/>
           </a:xfrm>
           <a:prstGeom prst="rect">
             <a:avLst/>
@@ -4164,14 +4189,14 @@
           </a:bodyPr>
           <a:lstStyle/>
           <a:p>
-            <a:pPr marL="192881" indent="-192881">
+            <a:pPr marL="192880" indent="-192880">
               <a:buSzPct val="100000"/>
               <a:buFont typeface="Arial"/>
               <a:buChar char="•"/>
               <a:defRPr>
-                <a:latin typeface="+mj-lt"/>
-                <a:ea typeface="+mj-ea"/>
-                <a:cs typeface="+mj-cs"/>
+                <a:latin typeface="+mn-lt"/>
+                <a:ea typeface="+mn-ea"/>
+                <a:cs typeface="+mn-cs"/>
                 <a:sym typeface="Calibri"/>
               </a:defRPr>
             </a:pPr>
@@ -4187,14 +4212,14 @@
             </a:r>
           </a:p>
           <a:p>
-            <a:pPr marL="192881" indent="-192881">
+            <a:pPr marL="192880" indent="-192880">
               <a:buSzPct val="100000"/>
               <a:buFont typeface="Arial"/>
               <a:buChar char="•"/>
               <a:defRPr>
-                <a:latin typeface="+mj-lt"/>
-                <a:ea typeface="+mj-ea"/>
-                <a:cs typeface="+mj-cs"/>
+                <a:latin typeface="+mn-lt"/>
+                <a:ea typeface="+mn-ea"/>
+                <a:cs typeface="+mn-cs"/>
                 <a:sym typeface="Calibri"/>
               </a:defRPr>
             </a:pPr>
@@ -4213,12 +4238,16 @@
           </p:nvPr>
         </p:nvSpPr>
         <p:spPr>
+          <a:xfrm>
+            <a:off x="457200" y="274638"/>
+            <a:ext cx="8229600" cy="1143001"/>
+          </a:xfrm>
           <a:prstGeom prst="rect">
             <a:avLst/>
           </a:prstGeom>
         </p:spPr>
         <p:txBody>
-          <a:bodyPr lIns="45719" tIns="45719" rIns="45719" bIns="45719"/>
+          <a:bodyPr lIns="45718" tIns="45718" rIns="45718" bIns="45718"/>
           <a:lstStyle/>
           <a:p>
             <a:pPr/>
@@ -4280,14 +4309,14 @@
     </a:clrScheme>
     <a:fontScheme name="Office Theme">
       <a:majorFont>
+        <a:latin typeface="Helvetica"/>
+        <a:ea typeface="Helvetica"/>
+        <a:cs typeface="Helvetica"/>
+      </a:majorFont>
+      <a:minorFont>
         <a:latin typeface="Calibri"/>
         <a:ea typeface="Calibri"/>
         <a:cs typeface="Calibri"/>
-      </a:majorFont>
-      <a:minorFont>
-        <a:latin typeface="Helvetica"/>
-        <a:ea typeface="Helvetica"/>
-        <a:cs typeface="Helvetica"/>
       </a:minorFont>
     </a:fontScheme>
     <a:fmtScheme name="Office Theme">
@@ -4492,9 +4521,9 @@
             </a:solidFill>
             <a:effectLst/>
             <a:uFillTx/>
-            <a:latin typeface="+mn-lt"/>
-            <a:ea typeface="+mn-ea"/>
-            <a:cs typeface="+mn-cs"/>
+            <a:latin typeface="+mj-lt"/>
+            <a:ea typeface="+mj-ea"/>
+            <a:cs typeface="+mj-cs"/>
             <a:sym typeface="Helvetica"/>
           </a:defRPr>
         </a:defPPr>
@@ -5069,9 +5098,9 @@
             </a:solidFill>
             <a:effectLst/>
             <a:uFillTx/>
-            <a:latin typeface="+mn-lt"/>
-            <a:ea typeface="+mn-ea"/>
-            <a:cs typeface="+mn-cs"/>
+            <a:latin typeface="+mj-lt"/>
+            <a:ea typeface="+mj-ea"/>
+            <a:cs typeface="+mj-cs"/>
             <a:sym typeface="Helvetica"/>
           </a:defRPr>
         </a:defPPr>
@@ -5364,14 +5393,14 @@
     </a:clrScheme>
     <a:fontScheme name="Office Theme">
       <a:majorFont>
+        <a:latin typeface="Helvetica"/>
+        <a:ea typeface="Helvetica"/>
+        <a:cs typeface="Helvetica"/>
+      </a:majorFont>
+      <a:minorFont>
         <a:latin typeface="Calibri"/>
         <a:ea typeface="Calibri"/>
         <a:cs typeface="Calibri"/>
-      </a:majorFont>
-      <a:minorFont>
-        <a:latin typeface="Helvetica"/>
-        <a:ea typeface="Helvetica"/>
-        <a:cs typeface="Helvetica"/>
       </a:minorFont>
     </a:fontScheme>
     <a:fmtScheme name="Office Theme">
@@ -5576,9 +5605,9 @@
             </a:solidFill>
             <a:effectLst/>
             <a:uFillTx/>
-            <a:latin typeface="+mn-lt"/>
-            <a:ea typeface="+mn-ea"/>
-            <a:cs typeface="+mn-cs"/>
+            <a:latin typeface="+mj-lt"/>
+            <a:ea typeface="+mj-ea"/>
+            <a:cs typeface="+mj-cs"/>
             <a:sym typeface="Helvetica"/>
           </a:defRPr>
         </a:defPPr>
@@ -6153,9 +6182,9 @@
             </a:solidFill>
             <a:effectLst/>
             <a:uFillTx/>
-            <a:latin typeface="+mn-lt"/>
-            <a:ea typeface="+mn-ea"/>
-            <a:cs typeface="+mn-cs"/>
+            <a:latin typeface="+mj-lt"/>
+            <a:ea typeface="+mj-ea"/>
+            <a:cs typeface="+mj-cs"/>
             <a:sym typeface="Helvetica"/>
           </a:defRPr>
         </a:defPPr>
